--- a/Examples/Data/Charts/MarkOptions_out.pptx
+++ b/Examples/Data/Charts/MarkOptions_out.pptx
@@ -1,6 +1,6 @@
 
 <file path=ppt/presentation.xml><?xml version="1.0" encoding="utf-8"?>
-<!--Generated by Aspose.Slides for .NET 19.6-->
+<!--Generated by Aspose.Slides for .NET 21.12-->
 <p:presentation xmlns:r="http://schemas.openxmlformats.org/officeDocument/2006/relationships" xmlns:a="http://schemas.openxmlformats.org/drawingml/2006/main" xmlns:p="http://schemas.openxmlformats.org/presentationml/2006/main" saveSubsetFonts="1">
   <p:sldMasterIdLst>
     <p:sldMasterId id="2147483648" r:id="rId1"/>
@@ -112,7 +112,7 @@
 </file>
 
 <file path=ppt/charts/chart1.xml><?xml version="1.0" encoding="utf-8"?>
-<c:chartSpace xmlns:a="http://schemas.openxmlformats.org/drawingml/2006/main" xmlns:r="http://schemas.openxmlformats.org/officeDocument/2006/relationships" xmlns:c="http://schemas.openxmlformats.org/drawingml/2006/chart">
+<c:chartSpace xmlns:a="http://schemas.openxmlformats.org/drawingml/2006/main" xmlns:r="http://schemas.openxmlformats.org/officeDocument/2006/relationships" xmlns:m="http://schemas.openxmlformats.org/officeDocument/2006/math" xmlns:w="http://schemas.openxmlformats.org/wordprocessingml/2006/main" xmlns:wp="http://schemas.openxmlformats.org/drawingml/2006/wordprocessingDrawing" xmlns:a14="http://schemas.microsoft.com/office/drawing/2010/main" xmlns:c="http://schemas.openxmlformats.org/drawingml/2006/chart">
   <c:date1904 val="0"/>
   <c:lang val="ru-RU"/>
   <c:roundedCorners val="0"/>
@@ -304,11 +304,11 @@
 </file>
 
 <file path=ppt/slideLayouts/slideLayout1.xml><?xml version="1.0" encoding="utf-8"?>
-<p:sldLayout xmlns:a="http://schemas.openxmlformats.org/drawingml/2006/main" xmlns:r="http://schemas.openxmlformats.org/officeDocument/2006/relationships" xmlns:p14="http://schemas.microsoft.com/office/powerpoint/2010/main" xmlns:a14="http://schemas.microsoft.com/office/drawing/2010/main" xmlns:p15="http://schemas.microsoft.com/office/powerpoint/2012/main" xmlns:p159="http://schemas.microsoft.com/office/powerpoint/2015/09/main" xmlns:p="http://schemas.openxmlformats.org/presentationml/2006/main" type="title" preserve="1">
+<p:sldLayout xmlns:a="http://schemas.openxmlformats.org/drawingml/2006/main" xmlns:r="http://schemas.openxmlformats.org/officeDocument/2006/relationships" xmlns:m="http://schemas.openxmlformats.org/officeDocument/2006/math" xmlns:w="http://schemas.openxmlformats.org/wordprocessingml/2006/main" xmlns:wp="http://schemas.openxmlformats.org/drawingml/2006/wordprocessingDrawing" xmlns:a14="http://schemas.microsoft.com/office/drawing/2010/main" xmlns:mc="http://schemas.openxmlformats.org/markup-compatibility/2006" xmlns:p14="http://schemas.microsoft.com/office/powerpoint/2010/main" xmlns:p15="http://schemas.microsoft.com/office/powerpoint/2012/main" xmlns:p159="http://schemas.microsoft.com/office/powerpoint/2015/09/main" xmlns:p="http://schemas.openxmlformats.org/presentationml/2006/main" type="title" preserve="1">
   <p:cSld name="Title Slide">
     <p:spTree>
       <p:nvGrpSpPr>
-        <p:cNvPr id="1" name=""/>
+        <p:cNvPr id="1" name="" title=""/>
         <p:cNvGrpSpPr/>
         <p:nvPr/>
       </p:nvGrpSpPr>
@@ -320,7 +320,7 @@
       </p:grpSpPr>
       <p:sp>
         <p:nvSpPr>
-          <p:cNvPr id="2" name="Title 1"/>
+          <p:cNvPr id="2" name="Title 1" title=""/>
           <p:cNvSpPr>
             <a:spLocks noGrp="1"/>
           </p:cNvSpPr>
@@ -343,7 +343,7 @@
       </p:sp>
       <p:sp>
         <p:nvSpPr>
-          <p:cNvPr id="3" name="Subtitle 2"/>
+          <p:cNvPr id="3" name="Subtitle 2" title=""/>
           <p:cNvSpPr>
             <a:spLocks noGrp="1"/>
           </p:cNvSpPr>
@@ -457,7 +457,7 @@
       </p:sp>
       <p:sp>
         <p:nvSpPr>
-          <p:cNvPr id="4" name="Date Placeholder 3"/>
+          <p:cNvPr id="4" name="Date Placeholder 3" title=""/>
           <p:cNvSpPr>
             <a:spLocks noGrp="1"/>
           </p:cNvSpPr>
@@ -470,7 +470,7 @@
           <a:bodyPr/>
           <a:lstStyle/>
           <a:p>
-            <a:fld id="{F17756FF-C9FA-40F7-A649-0AEFCEB8D124}" type="datetimeFigureOut">
+            <a:fld id="{A868E05C-3CEA-4E03-A95F-6729E0F8F785}" type="datetimeFigureOut">
               <a:rPr lang="en-US" smtClean="0"/>
               <a:t>11/7/2009</a:t>
             </a:fld>
@@ -480,7 +480,7 @@
       </p:sp>
       <p:sp>
         <p:nvSpPr>
-          <p:cNvPr id="5" name="Footer Placeholder 4"/>
+          <p:cNvPr id="5" name="Footer Placeholder 4" title=""/>
           <p:cNvSpPr>
             <a:spLocks noGrp="1"/>
           </p:cNvSpPr>
@@ -499,7 +499,7 @@
       </p:sp>
       <p:sp>
         <p:nvSpPr>
-          <p:cNvPr id="6" name="Slide Number Placeholder 5"/>
+          <p:cNvPr id="6" name="Slide Number Placeholder 5" title=""/>
           <p:cNvSpPr>
             <a:spLocks noGrp="1"/>
           </p:cNvSpPr>
@@ -531,11 +531,11 @@
 </file>
 
 <file path=ppt/slideLayouts/slideLayout10.xml><?xml version="1.0" encoding="utf-8"?>
-<p:sldLayout xmlns:a="http://schemas.openxmlformats.org/drawingml/2006/main" xmlns:r="http://schemas.openxmlformats.org/officeDocument/2006/relationships" xmlns:p14="http://schemas.microsoft.com/office/powerpoint/2010/main" xmlns:a14="http://schemas.microsoft.com/office/drawing/2010/main" xmlns:p15="http://schemas.microsoft.com/office/powerpoint/2012/main" xmlns:p159="http://schemas.microsoft.com/office/powerpoint/2015/09/main" xmlns:p="http://schemas.openxmlformats.org/presentationml/2006/main" type="vertTx" preserve="1">
+<p:sldLayout xmlns:a="http://schemas.openxmlformats.org/drawingml/2006/main" xmlns:r="http://schemas.openxmlformats.org/officeDocument/2006/relationships" xmlns:m="http://schemas.openxmlformats.org/officeDocument/2006/math" xmlns:w="http://schemas.openxmlformats.org/wordprocessingml/2006/main" xmlns:wp="http://schemas.openxmlformats.org/drawingml/2006/wordprocessingDrawing" xmlns:a14="http://schemas.microsoft.com/office/drawing/2010/main" xmlns:mc="http://schemas.openxmlformats.org/markup-compatibility/2006" xmlns:p14="http://schemas.microsoft.com/office/powerpoint/2010/main" xmlns:p15="http://schemas.microsoft.com/office/powerpoint/2012/main" xmlns:p159="http://schemas.microsoft.com/office/powerpoint/2015/09/main" xmlns:p="http://schemas.openxmlformats.org/presentationml/2006/main" type="vertTx" preserve="1">
   <p:cSld name="Title and Vertical Text">
     <p:spTree>
       <p:nvGrpSpPr>
-        <p:cNvPr id="1" name=""/>
+        <p:cNvPr id="1" name="" title=""/>
         <p:cNvGrpSpPr/>
         <p:nvPr/>
       </p:nvGrpSpPr>
@@ -547,7 +547,7 @@
       </p:grpSpPr>
       <p:sp>
         <p:nvSpPr>
-          <p:cNvPr id="2" name="Title 1"/>
+          <p:cNvPr id="2" name="Title 1" title=""/>
           <p:cNvSpPr>
             <a:spLocks noGrp="1"/>
           </p:cNvSpPr>
@@ -570,7 +570,7 @@
       </p:sp>
       <p:sp>
         <p:nvSpPr>
-          <p:cNvPr id="3" name="Vertical Text Placeholder 2"/>
+          <p:cNvPr id="3" name="Vertical Text Placeholder 2" title=""/>
           <p:cNvSpPr>
             <a:spLocks noGrp="1"/>
           </p:cNvSpPr>
@@ -621,7 +621,7 @@
       </p:sp>
       <p:sp>
         <p:nvSpPr>
-          <p:cNvPr id="4" name="Date Placeholder 3"/>
+          <p:cNvPr id="4" name="Date Placeholder 3" title=""/>
           <p:cNvSpPr>
             <a:spLocks noGrp="1"/>
           </p:cNvSpPr>
@@ -634,7 +634,7 @@
           <a:bodyPr/>
           <a:lstStyle/>
           <a:p>
-            <a:fld id="{782F6158-4546-4FDF-86A0-FC59B6A992BB}" type="datetimeFigureOut">
+            <a:fld id="{87CA98D7-1A3F-409E-B46B-1684FCB46B24}" type="datetimeFigureOut">
               <a:rPr lang="en-US" smtClean="0"/>
               <a:t>11/7/2009</a:t>
             </a:fld>
@@ -644,7 +644,7 @@
       </p:sp>
       <p:sp>
         <p:nvSpPr>
-          <p:cNvPr id="5" name="Footer Placeholder 4"/>
+          <p:cNvPr id="5" name="Footer Placeholder 4" title=""/>
           <p:cNvSpPr>
             <a:spLocks noGrp="1"/>
           </p:cNvSpPr>
@@ -663,7 +663,7 @@
       </p:sp>
       <p:sp>
         <p:nvSpPr>
-          <p:cNvPr id="6" name="Slide Number Placeholder 5"/>
+          <p:cNvPr id="6" name="Slide Number Placeholder 5" title=""/>
           <p:cNvSpPr>
             <a:spLocks noGrp="1"/>
           </p:cNvSpPr>
@@ -695,11 +695,11 @@
 </file>
 
 <file path=ppt/slideLayouts/slideLayout11.xml><?xml version="1.0" encoding="utf-8"?>
-<p:sldLayout xmlns:a="http://schemas.openxmlformats.org/drawingml/2006/main" xmlns:r="http://schemas.openxmlformats.org/officeDocument/2006/relationships" xmlns:p14="http://schemas.microsoft.com/office/powerpoint/2010/main" xmlns:a14="http://schemas.microsoft.com/office/drawing/2010/main" xmlns:p15="http://schemas.microsoft.com/office/powerpoint/2012/main" xmlns:p159="http://schemas.microsoft.com/office/powerpoint/2015/09/main" xmlns:p="http://schemas.openxmlformats.org/presentationml/2006/main" type="vertTitleAndTx" preserve="1">
+<p:sldLayout xmlns:a="http://schemas.openxmlformats.org/drawingml/2006/main" xmlns:r="http://schemas.openxmlformats.org/officeDocument/2006/relationships" xmlns:m="http://schemas.openxmlformats.org/officeDocument/2006/math" xmlns:w="http://schemas.openxmlformats.org/wordprocessingml/2006/main" xmlns:wp="http://schemas.openxmlformats.org/drawingml/2006/wordprocessingDrawing" xmlns:a14="http://schemas.microsoft.com/office/drawing/2010/main" xmlns:mc="http://schemas.openxmlformats.org/markup-compatibility/2006" xmlns:p14="http://schemas.microsoft.com/office/powerpoint/2010/main" xmlns:p15="http://schemas.microsoft.com/office/powerpoint/2012/main" xmlns:p159="http://schemas.microsoft.com/office/powerpoint/2015/09/main" xmlns:p="http://schemas.openxmlformats.org/presentationml/2006/main" type="vertTitleAndTx" preserve="1">
   <p:cSld name="Vertical Title and Text">
     <p:spTree>
       <p:nvGrpSpPr>
-        <p:cNvPr id="1" name=""/>
+        <p:cNvPr id="1" name="" title=""/>
         <p:cNvGrpSpPr/>
         <p:nvPr/>
       </p:nvGrpSpPr>
@@ -711,7 +711,7 @@
       </p:grpSpPr>
       <p:sp>
         <p:nvSpPr>
-          <p:cNvPr id="2" name="Vertical Title 1"/>
+          <p:cNvPr id="2" name="Vertical Title 1" title=""/>
           <p:cNvSpPr>
             <a:spLocks noGrp="1"/>
           </p:cNvSpPr>
@@ -734,7 +734,7 @@
       </p:sp>
       <p:sp>
         <p:nvSpPr>
-          <p:cNvPr id="3" name="Vertical Text Placeholder 2"/>
+          <p:cNvPr id="3" name="Vertical Text Placeholder 2" title=""/>
           <p:cNvSpPr>
             <a:spLocks noGrp="1"/>
           </p:cNvSpPr>
@@ -785,7 +785,7 @@
       </p:sp>
       <p:sp>
         <p:nvSpPr>
-          <p:cNvPr id="4" name="Date Placeholder 3"/>
+          <p:cNvPr id="4" name="Date Placeholder 3" title=""/>
           <p:cNvSpPr>
             <a:spLocks noGrp="1"/>
           </p:cNvSpPr>
@@ -798,7 +798,7 @@
           <a:bodyPr/>
           <a:lstStyle/>
           <a:p>
-            <a:fld id="{79451982-BD73-4B5D-88AB-5D533B0498C3}" type="datetimeFigureOut">
+            <a:fld id="{0E8778BB-062F-4C97-AA25-5EFD7E526390}" type="datetimeFigureOut">
               <a:rPr lang="en-US" smtClean="0"/>
               <a:t>11/7/2009</a:t>
             </a:fld>
@@ -808,7 +808,7 @@
       </p:sp>
       <p:sp>
         <p:nvSpPr>
-          <p:cNvPr id="5" name="Footer Placeholder 4"/>
+          <p:cNvPr id="5" name="Footer Placeholder 4" title=""/>
           <p:cNvSpPr>
             <a:spLocks noGrp="1"/>
           </p:cNvSpPr>
@@ -827,7 +827,7 @@
       </p:sp>
       <p:sp>
         <p:nvSpPr>
-          <p:cNvPr id="6" name="Slide Number Placeholder 5"/>
+          <p:cNvPr id="6" name="Slide Number Placeholder 5" title=""/>
           <p:cNvSpPr>
             <a:spLocks noGrp="1"/>
           </p:cNvSpPr>
@@ -859,11 +859,11 @@
 </file>
 
 <file path=ppt/slideLayouts/slideLayout2.xml><?xml version="1.0" encoding="utf-8"?>
-<p:sldLayout xmlns:a="http://schemas.openxmlformats.org/drawingml/2006/main" xmlns:r="http://schemas.openxmlformats.org/officeDocument/2006/relationships" xmlns:p14="http://schemas.microsoft.com/office/powerpoint/2010/main" xmlns:a14="http://schemas.microsoft.com/office/drawing/2010/main" xmlns:p15="http://schemas.microsoft.com/office/powerpoint/2012/main" xmlns:p159="http://schemas.microsoft.com/office/powerpoint/2015/09/main" xmlns:p="http://schemas.openxmlformats.org/presentationml/2006/main" type="obj" preserve="1">
+<p:sldLayout xmlns:a="http://schemas.openxmlformats.org/drawingml/2006/main" xmlns:r="http://schemas.openxmlformats.org/officeDocument/2006/relationships" xmlns:m="http://schemas.openxmlformats.org/officeDocument/2006/math" xmlns:w="http://schemas.openxmlformats.org/wordprocessingml/2006/main" xmlns:wp="http://schemas.openxmlformats.org/drawingml/2006/wordprocessingDrawing" xmlns:a14="http://schemas.microsoft.com/office/drawing/2010/main" xmlns:mc="http://schemas.openxmlformats.org/markup-compatibility/2006" xmlns:p14="http://schemas.microsoft.com/office/powerpoint/2010/main" xmlns:p15="http://schemas.microsoft.com/office/powerpoint/2012/main" xmlns:p159="http://schemas.microsoft.com/office/powerpoint/2015/09/main" xmlns:p="http://schemas.openxmlformats.org/presentationml/2006/main" type="obj" preserve="1">
   <p:cSld name="Title and Content">
     <p:spTree>
       <p:nvGrpSpPr>
-        <p:cNvPr id="1" name=""/>
+        <p:cNvPr id="1" name="" title=""/>
         <p:cNvGrpSpPr/>
         <p:nvPr/>
       </p:nvGrpSpPr>
@@ -875,7 +875,7 @@
       </p:grpSpPr>
       <p:sp>
         <p:nvSpPr>
-          <p:cNvPr id="2" name="Title 1"/>
+          <p:cNvPr id="2" name="Title 1" title=""/>
           <p:cNvSpPr>
             <a:spLocks noGrp="1"/>
           </p:cNvSpPr>
@@ -898,7 +898,7 @@
       </p:sp>
       <p:sp>
         <p:nvSpPr>
-          <p:cNvPr id="3" name="Content Placeholder 2"/>
+          <p:cNvPr id="3" name="Content Placeholder 2" title=""/>
           <p:cNvSpPr>
             <a:spLocks noGrp="1"/>
           </p:cNvSpPr>
@@ -949,7 +949,7 @@
       </p:sp>
       <p:sp>
         <p:nvSpPr>
-          <p:cNvPr id="4" name="Date Placeholder 3"/>
+          <p:cNvPr id="4" name="Date Placeholder 3" title=""/>
           <p:cNvSpPr>
             <a:spLocks noGrp="1"/>
           </p:cNvSpPr>
@@ -962,7 +962,7 @@
           <a:bodyPr/>
           <a:lstStyle/>
           <a:p>
-            <a:fld id="{01A99182-0BCE-472D-843B-7C6262209CD8}" type="datetimeFigureOut">
+            <a:fld id="{21931BF2-4A71-4B5E-8378-59FF5551EE42}" type="datetimeFigureOut">
               <a:rPr lang="en-US" smtClean="0"/>
               <a:t>11/7/2009</a:t>
             </a:fld>
@@ -972,7 +972,7 @@
       </p:sp>
       <p:sp>
         <p:nvSpPr>
-          <p:cNvPr id="5" name="Footer Placeholder 4"/>
+          <p:cNvPr id="5" name="Footer Placeholder 4" title=""/>
           <p:cNvSpPr>
             <a:spLocks noGrp="1"/>
           </p:cNvSpPr>
@@ -991,7 +991,7 @@
       </p:sp>
       <p:sp>
         <p:nvSpPr>
-          <p:cNvPr id="6" name="Slide Number Placeholder 5"/>
+          <p:cNvPr id="6" name="Slide Number Placeholder 5" title=""/>
           <p:cNvSpPr>
             <a:spLocks noGrp="1"/>
           </p:cNvSpPr>
@@ -1023,11 +1023,11 @@
 </file>
 
 <file path=ppt/slideLayouts/slideLayout3.xml><?xml version="1.0" encoding="utf-8"?>
-<p:sldLayout xmlns:a="http://schemas.openxmlformats.org/drawingml/2006/main" xmlns:r="http://schemas.openxmlformats.org/officeDocument/2006/relationships" xmlns:p14="http://schemas.microsoft.com/office/powerpoint/2010/main" xmlns:a14="http://schemas.microsoft.com/office/drawing/2010/main" xmlns:p15="http://schemas.microsoft.com/office/powerpoint/2012/main" xmlns:p159="http://schemas.microsoft.com/office/powerpoint/2015/09/main" xmlns:p="http://schemas.openxmlformats.org/presentationml/2006/main" type="secHead" preserve="1">
+<p:sldLayout xmlns:a="http://schemas.openxmlformats.org/drawingml/2006/main" xmlns:r="http://schemas.openxmlformats.org/officeDocument/2006/relationships" xmlns:m="http://schemas.openxmlformats.org/officeDocument/2006/math" xmlns:w="http://schemas.openxmlformats.org/wordprocessingml/2006/main" xmlns:wp="http://schemas.openxmlformats.org/drawingml/2006/wordprocessingDrawing" xmlns:a14="http://schemas.microsoft.com/office/drawing/2010/main" xmlns:mc="http://schemas.openxmlformats.org/markup-compatibility/2006" xmlns:p14="http://schemas.microsoft.com/office/powerpoint/2010/main" xmlns:p15="http://schemas.microsoft.com/office/powerpoint/2012/main" xmlns:p159="http://schemas.microsoft.com/office/powerpoint/2015/09/main" xmlns:p="http://schemas.openxmlformats.org/presentationml/2006/main" type="secHead" preserve="1">
   <p:cSld name="Section Header">
     <p:spTree>
       <p:nvGrpSpPr>
-        <p:cNvPr id="1" name=""/>
+        <p:cNvPr id="1" name="" title=""/>
         <p:cNvGrpSpPr/>
         <p:nvPr/>
       </p:nvGrpSpPr>
@@ -1039,7 +1039,7 @@
       </p:grpSpPr>
       <p:sp>
         <p:nvSpPr>
-          <p:cNvPr id="2" name="Title 1"/>
+          <p:cNvPr id="2" name="Title 1" title=""/>
           <p:cNvSpPr>
             <a:spLocks noGrp="1"/>
           </p:cNvSpPr>
@@ -1066,7 +1066,7 @@
       </p:sp>
       <p:sp>
         <p:nvSpPr>
-          <p:cNvPr id="3" name="Text Placeholder 2"/>
+          <p:cNvPr id="3" name="Text Placeholder 2" title=""/>
           <p:cNvSpPr>
             <a:spLocks noGrp="1"/>
           </p:cNvSpPr>
@@ -1179,7 +1179,7 @@
       </p:sp>
       <p:sp>
         <p:nvSpPr>
-          <p:cNvPr id="4" name="Date Placeholder 3"/>
+          <p:cNvPr id="4" name="Date Placeholder 3" title=""/>
           <p:cNvSpPr>
             <a:spLocks noGrp="1"/>
           </p:cNvSpPr>
@@ -1192,7 +1192,7 @@
           <a:bodyPr/>
           <a:lstStyle/>
           <a:p>
-            <a:fld id="{5A99E286-3D9B-4461-BEE0-AA34A670B2FC}" type="datetimeFigureOut">
+            <a:fld id="{609D33FE-C7D3-4BDF-80E1-5F39C795BBB0}" type="datetimeFigureOut">
               <a:rPr lang="en-US" smtClean="0"/>
               <a:t>11/7/2009</a:t>
             </a:fld>
@@ -1202,7 +1202,7 @@
       </p:sp>
       <p:sp>
         <p:nvSpPr>
-          <p:cNvPr id="5" name="Footer Placeholder 4"/>
+          <p:cNvPr id="5" name="Footer Placeholder 4" title=""/>
           <p:cNvSpPr>
             <a:spLocks noGrp="1"/>
           </p:cNvSpPr>
@@ -1221,7 +1221,7 @@
       </p:sp>
       <p:sp>
         <p:nvSpPr>
-          <p:cNvPr id="6" name="Slide Number Placeholder 5"/>
+          <p:cNvPr id="6" name="Slide Number Placeholder 5" title=""/>
           <p:cNvSpPr>
             <a:spLocks noGrp="1"/>
           </p:cNvSpPr>
@@ -1253,11 +1253,11 @@
 </file>
 
 <file path=ppt/slideLayouts/slideLayout4.xml><?xml version="1.0" encoding="utf-8"?>
-<p:sldLayout xmlns:a="http://schemas.openxmlformats.org/drawingml/2006/main" xmlns:r="http://schemas.openxmlformats.org/officeDocument/2006/relationships" xmlns:p14="http://schemas.microsoft.com/office/powerpoint/2010/main" xmlns:a14="http://schemas.microsoft.com/office/drawing/2010/main" xmlns:p15="http://schemas.microsoft.com/office/powerpoint/2012/main" xmlns:p159="http://schemas.microsoft.com/office/powerpoint/2015/09/main" xmlns:p="http://schemas.openxmlformats.org/presentationml/2006/main" type="twoObj" preserve="1">
+<p:sldLayout xmlns:a="http://schemas.openxmlformats.org/drawingml/2006/main" xmlns:r="http://schemas.openxmlformats.org/officeDocument/2006/relationships" xmlns:m="http://schemas.openxmlformats.org/officeDocument/2006/math" xmlns:w="http://schemas.openxmlformats.org/wordprocessingml/2006/main" xmlns:wp="http://schemas.openxmlformats.org/drawingml/2006/wordprocessingDrawing" xmlns:a14="http://schemas.microsoft.com/office/drawing/2010/main" xmlns:mc="http://schemas.openxmlformats.org/markup-compatibility/2006" xmlns:p14="http://schemas.microsoft.com/office/powerpoint/2010/main" xmlns:p15="http://schemas.microsoft.com/office/powerpoint/2012/main" xmlns:p159="http://schemas.microsoft.com/office/powerpoint/2015/09/main" xmlns:p="http://schemas.openxmlformats.org/presentationml/2006/main" type="twoObj" preserve="1">
   <p:cSld name="Two Content">
     <p:spTree>
       <p:nvGrpSpPr>
-        <p:cNvPr id="1" name=""/>
+        <p:cNvPr id="1" name="" title=""/>
         <p:cNvGrpSpPr/>
         <p:nvPr/>
       </p:nvGrpSpPr>
@@ -1269,7 +1269,7 @@
       </p:grpSpPr>
       <p:sp>
         <p:nvSpPr>
-          <p:cNvPr id="2" name="Title 1"/>
+          <p:cNvPr id="2" name="Title 1" title=""/>
           <p:cNvSpPr>
             <a:spLocks noGrp="1"/>
           </p:cNvSpPr>
@@ -1292,7 +1292,7 @@
       </p:sp>
       <p:sp>
         <p:nvSpPr>
-          <p:cNvPr id="3" name="Content Placeholder 2"/>
+          <p:cNvPr id="3" name="Content Placeholder 2" title=""/>
           <p:cNvSpPr>
             <a:spLocks noGrp="1"/>
           </p:cNvSpPr>
@@ -1371,7 +1371,7 @@
       </p:sp>
       <p:sp>
         <p:nvSpPr>
-          <p:cNvPr id="4" name="Content Placeholder 3"/>
+          <p:cNvPr id="4" name="Content Placeholder 3" title=""/>
           <p:cNvSpPr>
             <a:spLocks noGrp="1"/>
           </p:cNvSpPr>
@@ -1450,7 +1450,7 @@
       </p:sp>
       <p:sp>
         <p:nvSpPr>
-          <p:cNvPr id="5" name="Date Placeholder 4"/>
+          <p:cNvPr id="5" name="Date Placeholder 4" title=""/>
           <p:cNvSpPr>
             <a:spLocks noGrp="1"/>
           </p:cNvSpPr>
@@ -1463,7 +1463,7 @@
           <a:bodyPr/>
           <a:lstStyle/>
           <a:p>
-            <a:fld id="{1E4429F1-05C2-42E8-A2CC-57EDDFBE4EFB}" type="datetimeFigureOut">
+            <a:fld id="{BFDD4452-3D45-4E9C-8E57-08654DA587CA}" type="datetimeFigureOut">
               <a:rPr lang="en-US" smtClean="0"/>
               <a:t>11/7/2009</a:t>
             </a:fld>
@@ -1473,7 +1473,7 @@
       </p:sp>
       <p:sp>
         <p:nvSpPr>
-          <p:cNvPr id="6" name="Footer Placeholder 5"/>
+          <p:cNvPr id="6" name="Footer Placeholder 5" title=""/>
           <p:cNvSpPr>
             <a:spLocks noGrp="1"/>
           </p:cNvSpPr>
@@ -1492,7 +1492,7 @@
       </p:sp>
       <p:sp>
         <p:nvSpPr>
-          <p:cNvPr id="7" name="Slide Number Placeholder 6"/>
+          <p:cNvPr id="7" name="Slide Number Placeholder 6" title=""/>
           <p:cNvSpPr>
             <a:spLocks noGrp="1"/>
           </p:cNvSpPr>
@@ -1524,11 +1524,11 @@
 </file>
 
 <file path=ppt/slideLayouts/slideLayout5.xml><?xml version="1.0" encoding="utf-8"?>
-<p:sldLayout xmlns:a="http://schemas.openxmlformats.org/drawingml/2006/main" xmlns:r="http://schemas.openxmlformats.org/officeDocument/2006/relationships" xmlns:p14="http://schemas.microsoft.com/office/powerpoint/2010/main" xmlns:a14="http://schemas.microsoft.com/office/drawing/2010/main" xmlns:p15="http://schemas.microsoft.com/office/powerpoint/2012/main" xmlns:p159="http://schemas.microsoft.com/office/powerpoint/2015/09/main" xmlns:p="http://schemas.openxmlformats.org/presentationml/2006/main" type="twoTxTwoObj" preserve="1">
+<p:sldLayout xmlns:a="http://schemas.openxmlformats.org/drawingml/2006/main" xmlns:r="http://schemas.openxmlformats.org/officeDocument/2006/relationships" xmlns:m="http://schemas.openxmlformats.org/officeDocument/2006/math" xmlns:w="http://schemas.openxmlformats.org/wordprocessingml/2006/main" xmlns:wp="http://schemas.openxmlformats.org/drawingml/2006/wordprocessingDrawing" xmlns:a14="http://schemas.microsoft.com/office/drawing/2010/main" xmlns:mc="http://schemas.openxmlformats.org/markup-compatibility/2006" xmlns:p14="http://schemas.microsoft.com/office/powerpoint/2010/main" xmlns:p15="http://schemas.microsoft.com/office/powerpoint/2012/main" xmlns:p159="http://schemas.microsoft.com/office/powerpoint/2015/09/main" xmlns:p="http://schemas.openxmlformats.org/presentationml/2006/main" type="twoTxTwoObj" preserve="1">
   <p:cSld name="Comparison">
     <p:spTree>
       <p:nvGrpSpPr>
-        <p:cNvPr id="1" name=""/>
+        <p:cNvPr id="1" name="" title=""/>
         <p:cNvGrpSpPr/>
         <p:nvPr/>
       </p:nvGrpSpPr>
@@ -1540,7 +1540,7 @@
       </p:grpSpPr>
       <p:sp>
         <p:nvSpPr>
-          <p:cNvPr id="2" name="Title 1"/>
+          <p:cNvPr id="2" name="Title 1" title=""/>
           <p:cNvSpPr>
             <a:spLocks noGrp="1"/>
           </p:cNvSpPr>
@@ -1563,7 +1563,7 @@
       </p:sp>
       <p:sp>
         <p:nvSpPr>
-          <p:cNvPr id="3" name="Text Placeholder 2"/>
+          <p:cNvPr id="3" name="Text Placeholder 2" title=""/>
           <p:cNvSpPr>
             <a:spLocks noGrp="1"/>
           </p:cNvSpPr>
@@ -1622,7 +1622,7 @@
       </p:sp>
       <p:sp>
         <p:nvSpPr>
-          <p:cNvPr id="4" name="Content Placeholder 3"/>
+          <p:cNvPr id="4" name="Content Placeholder 3" title=""/>
           <p:cNvSpPr>
             <a:spLocks noGrp="1"/>
           </p:cNvSpPr>
@@ -1701,7 +1701,7 @@
       </p:sp>
       <p:sp>
         <p:nvSpPr>
-          <p:cNvPr id="5" name="Text Placeholder 4"/>
+          <p:cNvPr id="5" name="Text Placeholder 4" title=""/>
           <p:cNvSpPr>
             <a:spLocks noGrp="1"/>
           </p:cNvSpPr>
@@ -1760,7 +1760,7 @@
       </p:sp>
       <p:sp>
         <p:nvSpPr>
-          <p:cNvPr id="6" name="Content Placeholder 5"/>
+          <p:cNvPr id="6" name="Content Placeholder 5" title=""/>
           <p:cNvSpPr>
             <a:spLocks noGrp="1"/>
           </p:cNvSpPr>
@@ -1839,7 +1839,7 @@
       </p:sp>
       <p:sp>
         <p:nvSpPr>
-          <p:cNvPr id="7" name="Date Placeholder 6"/>
+          <p:cNvPr id="7" name="Date Placeholder 6" title=""/>
           <p:cNvSpPr>
             <a:spLocks noGrp="1"/>
           </p:cNvSpPr>
@@ -1852,7 +1852,7 @@
           <a:bodyPr/>
           <a:lstStyle/>
           <a:p>
-            <a:fld id="{0FC15C0F-40B3-4279-B681-6AEFEA2C647F}" type="datetimeFigureOut">
+            <a:fld id="{5595C1E9-CD86-47BB-BBC4-A9A6CCD07986}" type="datetimeFigureOut">
               <a:rPr lang="en-US" smtClean="0"/>
               <a:t>11/7/2009</a:t>
             </a:fld>
@@ -1862,7 +1862,7 @@
       </p:sp>
       <p:sp>
         <p:nvSpPr>
-          <p:cNvPr id="8" name="Footer Placeholder 7"/>
+          <p:cNvPr id="8" name="Footer Placeholder 7" title=""/>
           <p:cNvSpPr>
             <a:spLocks noGrp="1"/>
           </p:cNvSpPr>
@@ -1881,7 +1881,7 @@
       </p:sp>
       <p:sp>
         <p:nvSpPr>
-          <p:cNvPr id="9" name="Slide Number Placeholder 8"/>
+          <p:cNvPr id="9" name="Slide Number Placeholder 8" title=""/>
           <p:cNvSpPr>
             <a:spLocks noGrp="1"/>
           </p:cNvSpPr>
@@ -1913,11 +1913,11 @@
 </file>
 
 <file path=ppt/slideLayouts/slideLayout6.xml><?xml version="1.0" encoding="utf-8"?>
-<p:sldLayout xmlns:a="http://schemas.openxmlformats.org/drawingml/2006/main" xmlns:r="http://schemas.openxmlformats.org/officeDocument/2006/relationships" xmlns:p14="http://schemas.microsoft.com/office/powerpoint/2010/main" xmlns:a14="http://schemas.microsoft.com/office/drawing/2010/main" xmlns:p15="http://schemas.microsoft.com/office/powerpoint/2012/main" xmlns:p159="http://schemas.microsoft.com/office/powerpoint/2015/09/main" xmlns:p="http://schemas.openxmlformats.org/presentationml/2006/main" type="titleOnly" preserve="1">
+<p:sldLayout xmlns:a="http://schemas.openxmlformats.org/drawingml/2006/main" xmlns:r="http://schemas.openxmlformats.org/officeDocument/2006/relationships" xmlns:m="http://schemas.openxmlformats.org/officeDocument/2006/math" xmlns:w="http://schemas.openxmlformats.org/wordprocessingml/2006/main" xmlns:wp="http://schemas.openxmlformats.org/drawingml/2006/wordprocessingDrawing" xmlns:a14="http://schemas.microsoft.com/office/drawing/2010/main" xmlns:mc="http://schemas.openxmlformats.org/markup-compatibility/2006" xmlns:p14="http://schemas.microsoft.com/office/powerpoint/2010/main" xmlns:p15="http://schemas.microsoft.com/office/powerpoint/2012/main" xmlns:p159="http://schemas.microsoft.com/office/powerpoint/2015/09/main" xmlns:p="http://schemas.openxmlformats.org/presentationml/2006/main" type="titleOnly" preserve="1">
   <p:cSld name="Title Only">
     <p:spTree>
       <p:nvGrpSpPr>
-        <p:cNvPr id="1" name=""/>
+        <p:cNvPr id="1" name="" title=""/>
         <p:cNvGrpSpPr/>
         <p:nvPr/>
       </p:nvGrpSpPr>
@@ -1929,7 +1929,7 @@
       </p:grpSpPr>
       <p:sp>
         <p:nvSpPr>
-          <p:cNvPr id="2" name="Title 1"/>
+          <p:cNvPr id="2" name="Title 1" title=""/>
           <p:cNvSpPr>
             <a:spLocks noGrp="1"/>
           </p:cNvSpPr>
@@ -1952,7 +1952,7 @@
       </p:sp>
       <p:sp>
         <p:nvSpPr>
-          <p:cNvPr id="3" name="Date Placeholder 2"/>
+          <p:cNvPr id="3" name="Date Placeholder 2" title=""/>
           <p:cNvSpPr>
             <a:spLocks noGrp="1"/>
           </p:cNvSpPr>
@@ -1965,7 +1965,7 @@
           <a:bodyPr/>
           <a:lstStyle/>
           <a:p>
-            <a:fld id="{9B3AD93F-5A26-42FE-9160-BB0C6FEC4B16}" type="datetimeFigureOut">
+            <a:fld id="{D681D64C-BCEA-4013-B964-9F4B7ADCCD2E}" type="datetimeFigureOut">
               <a:rPr lang="en-US" smtClean="0"/>
               <a:t>11/7/2009</a:t>
             </a:fld>
@@ -1975,7 +1975,7 @@
       </p:sp>
       <p:sp>
         <p:nvSpPr>
-          <p:cNvPr id="4" name="Footer Placeholder 3"/>
+          <p:cNvPr id="4" name="Footer Placeholder 3" title=""/>
           <p:cNvSpPr>
             <a:spLocks noGrp="1"/>
           </p:cNvSpPr>
@@ -1994,7 +1994,7 @@
       </p:sp>
       <p:sp>
         <p:nvSpPr>
-          <p:cNvPr id="5" name="Slide Number Placeholder 4"/>
+          <p:cNvPr id="5" name="Slide Number Placeholder 4" title=""/>
           <p:cNvSpPr>
             <a:spLocks noGrp="1"/>
           </p:cNvSpPr>
@@ -2026,11 +2026,11 @@
 </file>
 
 <file path=ppt/slideLayouts/slideLayout7.xml><?xml version="1.0" encoding="utf-8"?>
-<p:sldLayout xmlns:a="http://schemas.openxmlformats.org/drawingml/2006/main" xmlns:r="http://schemas.openxmlformats.org/officeDocument/2006/relationships" xmlns:p14="http://schemas.microsoft.com/office/powerpoint/2010/main" xmlns:a14="http://schemas.microsoft.com/office/drawing/2010/main" xmlns:p15="http://schemas.microsoft.com/office/powerpoint/2012/main" xmlns:p159="http://schemas.microsoft.com/office/powerpoint/2015/09/main" xmlns:p="http://schemas.openxmlformats.org/presentationml/2006/main" type="blank" preserve="1">
+<p:sldLayout xmlns:a="http://schemas.openxmlformats.org/drawingml/2006/main" xmlns:r="http://schemas.openxmlformats.org/officeDocument/2006/relationships" xmlns:m="http://schemas.openxmlformats.org/officeDocument/2006/math" xmlns:w="http://schemas.openxmlformats.org/wordprocessingml/2006/main" xmlns:wp="http://schemas.openxmlformats.org/drawingml/2006/wordprocessingDrawing" xmlns:a14="http://schemas.microsoft.com/office/drawing/2010/main" xmlns:mc="http://schemas.openxmlformats.org/markup-compatibility/2006" xmlns:p14="http://schemas.microsoft.com/office/powerpoint/2010/main" xmlns:p15="http://schemas.microsoft.com/office/powerpoint/2012/main" xmlns:p159="http://schemas.microsoft.com/office/powerpoint/2015/09/main" xmlns:p="http://schemas.openxmlformats.org/presentationml/2006/main" type="blank" preserve="1">
   <p:cSld name="Blank">
     <p:spTree>
       <p:nvGrpSpPr>
-        <p:cNvPr id="1" name=""/>
+        <p:cNvPr id="1" name="" title=""/>
         <p:cNvGrpSpPr/>
         <p:nvPr/>
       </p:nvGrpSpPr>
@@ -2042,7 +2042,7 @@
       </p:grpSpPr>
       <p:sp>
         <p:nvSpPr>
-          <p:cNvPr id="2" name="Date Placeholder 1"/>
+          <p:cNvPr id="2" name="Date Placeholder 1" title=""/>
           <p:cNvSpPr>
             <a:spLocks noGrp="1"/>
           </p:cNvSpPr>
@@ -2055,7 +2055,7 @@
           <a:bodyPr/>
           <a:lstStyle/>
           <a:p>
-            <a:fld id="{D154FEF8-1571-4A7C-83D9-D8DF51ABC03E}" type="datetimeFigureOut">
+            <a:fld id="{B9EA3514-AAE5-458B-8A3E-ED19882B6812}" type="datetimeFigureOut">
               <a:rPr lang="en-US" smtClean="0"/>
               <a:t>11/7/2009</a:t>
             </a:fld>
@@ -2065,7 +2065,7 @@
       </p:sp>
       <p:sp>
         <p:nvSpPr>
-          <p:cNvPr id="3" name="Footer Placeholder 2"/>
+          <p:cNvPr id="3" name="Footer Placeholder 2" title=""/>
           <p:cNvSpPr>
             <a:spLocks noGrp="1"/>
           </p:cNvSpPr>
@@ -2084,7 +2084,7 @@
       </p:sp>
       <p:sp>
         <p:nvSpPr>
-          <p:cNvPr id="4" name="Slide Number Placeholder 3"/>
+          <p:cNvPr id="4" name="Slide Number Placeholder 3" title=""/>
           <p:cNvSpPr>
             <a:spLocks noGrp="1"/>
           </p:cNvSpPr>
@@ -2116,11 +2116,11 @@
 </file>
 
 <file path=ppt/slideLayouts/slideLayout8.xml><?xml version="1.0" encoding="utf-8"?>
-<p:sldLayout xmlns:a="http://schemas.openxmlformats.org/drawingml/2006/main" xmlns:r="http://schemas.openxmlformats.org/officeDocument/2006/relationships" xmlns:p14="http://schemas.microsoft.com/office/powerpoint/2010/main" xmlns:a14="http://schemas.microsoft.com/office/drawing/2010/main" xmlns:p15="http://schemas.microsoft.com/office/powerpoint/2012/main" xmlns:p159="http://schemas.microsoft.com/office/powerpoint/2015/09/main" xmlns:p="http://schemas.openxmlformats.org/presentationml/2006/main" type="objTx" preserve="1">
+<p:sldLayout xmlns:a="http://schemas.openxmlformats.org/drawingml/2006/main" xmlns:r="http://schemas.openxmlformats.org/officeDocument/2006/relationships" xmlns:m="http://schemas.openxmlformats.org/officeDocument/2006/math" xmlns:w="http://schemas.openxmlformats.org/wordprocessingml/2006/main" xmlns:wp="http://schemas.openxmlformats.org/drawingml/2006/wordprocessingDrawing" xmlns:a14="http://schemas.microsoft.com/office/drawing/2010/main" xmlns:mc="http://schemas.openxmlformats.org/markup-compatibility/2006" xmlns:p14="http://schemas.microsoft.com/office/powerpoint/2010/main" xmlns:p15="http://schemas.microsoft.com/office/powerpoint/2012/main" xmlns:p159="http://schemas.microsoft.com/office/powerpoint/2015/09/main" xmlns:p="http://schemas.openxmlformats.org/presentationml/2006/main" type="objTx" preserve="1">
   <p:cSld name="Content with Caption">
     <p:spTree>
       <p:nvGrpSpPr>
-        <p:cNvPr id="1" name=""/>
+        <p:cNvPr id="1" name="" title=""/>
         <p:cNvGrpSpPr/>
         <p:nvPr/>
       </p:nvGrpSpPr>
@@ -2132,7 +2132,7 @@
       </p:grpSpPr>
       <p:sp>
         <p:nvSpPr>
-          <p:cNvPr id="2" name="Title 1"/>
+          <p:cNvPr id="2" name="Title 1" title=""/>
           <p:cNvSpPr>
             <a:spLocks noGrp="1"/>
           </p:cNvSpPr>
@@ -2159,7 +2159,7 @@
       </p:sp>
       <p:sp>
         <p:nvSpPr>
-          <p:cNvPr id="3" name="Content Placeholder 2"/>
+          <p:cNvPr id="3" name="Content Placeholder 2" title=""/>
           <p:cNvSpPr>
             <a:spLocks noGrp="1"/>
           </p:cNvSpPr>
@@ -2238,7 +2238,7 @@
       </p:sp>
       <p:sp>
         <p:nvSpPr>
-          <p:cNvPr id="4" name="Text Placeholder 3"/>
+          <p:cNvPr id="4" name="Text Placeholder 3" title=""/>
           <p:cNvSpPr>
             <a:spLocks noGrp="1"/>
           </p:cNvSpPr>
@@ -2297,7 +2297,7 @@
       </p:sp>
       <p:sp>
         <p:nvSpPr>
-          <p:cNvPr id="5" name="Date Placeholder 4"/>
+          <p:cNvPr id="5" name="Date Placeholder 4" title=""/>
           <p:cNvSpPr>
             <a:spLocks noGrp="1"/>
           </p:cNvSpPr>
@@ -2310,7 +2310,7 @@
           <a:bodyPr/>
           <a:lstStyle/>
           <a:p>
-            <a:fld id="{3B6228AB-8827-4681-B5C8-46584828C58B}" type="datetimeFigureOut">
+            <a:fld id="{239369AD-5D21-4D8C-A60E-E6D8CFB882EF}" type="datetimeFigureOut">
               <a:rPr lang="en-US" smtClean="0"/>
               <a:t>11/7/2009</a:t>
             </a:fld>
@@ -2320,7 +2320,7 @@
       </p:sp>
       <p:sp>
         <p:nvSpPr>
-          <p:cNvPr id="6" name="Footer Placeholder 5"/>
+          <p:cNvPr id="6" name="Footer Placeholder 5" title=""/>
           <p:cNvSpPr>
             <a:spLocks noGrp="1"/>
           </p:cNvSpPr>
@@ -2339,7 +2339,7 @@
       </p:sp>
       <p:sp>
         <p:nvSpPr>
-          <p:cNvPr id="7" name="Slide Number Placeholder 6"/>
+          <p:cNvPr id="7" name="Slide Number Placeholder 6" title=""/>
           <p:cNvSpPr>
             <a:spLocks noGrp="1"/>
           </p:cNvSpPr>
@@ -2371,11 +2371,11 @@
 </file>
 
 <file path=ppt/slideLayouts/slideLayout9.xml><?xml version="1.0" encoding="utf-8"?>
-<p:sldLayout xmlns:a="http://schemas.openxmlformats.org/drawingml/2006/main" xmlns:r="http://schemas.openxmlformats.org/officeDocument/2006/relationships" xmlns:p14="http://schemas.microsoft.com/office/powerpoint/2010/main" xmlns:a14="http://schemas.microsoft.com/office/drawing/2010/main" xmlns:p15="http://schemas.microsoft.com/office/powerpoint/2012/main" xmlns:p159="http://schemas.microsoft.com/office/powerpoint/2015/09/main" xmlns:p="http://schemas.openxmlformats.org/presentationml/2006/main" type="picTx" preserve="1">
+<p:sldLayout xmlns:a="http://schemas.openxmlformats.org/drawingml/2006/main" xmlns:r="http://schemas.openxmlformats.org/officeDocument/2006/relationships" xmlns:m="http://schemas.openxmlformats.org/officeDocument/2006/math" xmlns:w="http://schemas.openxmlformats.org/wordprocessingml/2006/main" xmlns:wp="http://schemas.openxmlformats.org/drawingml/2006/wordprocessingDrawing" xmlns:a14="http://schemas.microsoft.com/office/drawing/2010/main" xmlns:mc="http://schemas.openxmlformats.org/markup-compatibility/2006" xmlns:p14="http://schemas.microsoft.com/office/powerpoint/2010/main" xmlns:p15="http://schemas.microsoft.com/office/powerpoint/2012/main" xmlns:p159="http://schemas.microsoft.com/office/powerpoint/2015/09/main" xmlns:p="http://schemas.openxmlformats.org/presentationml/2006/main" type="picTx" preserve="1">
   <p:cSld name="Picture with Caption">
     <p:spTree>
       <p:nvGrpSpPr>
-        <p:cNvPr id="1" name=""/>
+        <p:cNvPr id="1" name="" title=""/>
         <p:cNvGrpSpPr/>
         <p:nvPr/>
       </p:nvGrpSpPr>
@@ -2387,7 +2387,7 @@
       </p:grpSpPr>
       <p:sp>
         <p:nvSpPr>
-          <p:cNvPr id="2" name="Title 1"/>
+          <p:cNvPr id="2" name="Title 1" title=""/>
           <p:cNvSpPr>
             <a:spLocks noGrp="1"/>
           </p:cNvSpPr>
@@ -2414,7 +2414,7 @@
       </p:sp>
       <p:sp>
         <p:nvSpPr>
-          <p:cNvPr id="3" name="Picture Placeholder 2"/>
+          <p:cNvPr id="3" name="Picture Placeholder 2" title=""/>
           <p:cNvSpPr>
             <a:spLocks noGrp="1"/>
           </p:cNvSpPr>
@@ -2470,7 +2470,7 @@
       </p:sp>
       <p:sp>
         <p:nvSpPr>
-          <p:cNvPr id="4" name="Text Placeholder 3"/>
+          <p:cNvPr id="4" name="Text Placeholder 3" title=""/>
           <p:cNvSpPr>
             <a:spLocks noGrp="1"/>
           </p:cNvSpPr>
@@ -2529,7 +2529,7 @@
       </p:sp>
       <p:sp>
         <p:nvSpPr>
-          <p:cNvPr id="5" name="Date Placeholder 4"/>
+          <p:cNvPr id="5" name="Date Placeholder 4" title=""/>
           <p:cNvSpPr>
             <a:spLocks noGrp="1"/>
           </p:cNvSpPr>
@@ -2542,7 +2542,7 @@
           <a:bodyPr/>
           <a:lstStyle/>
           <a:p>
-            <a:fld id="{E53AC7FC-6EC0-4215-B77A-1E29EEC6D4D5}" type="datetimeFigureOut">
+            <a:fld id="{CF693ABC-F5E2-43BA-B664-5DC702705A37}" type="datetimeFigureOut">
               <a:rPr lang="en-US" smtClean="0"/>
               <a:t>11/7/2009</a:t>
             </a:fld>
@@ -2552,7 +2552,7 @@
       </p:sp>
       <p:sp>
         <p:nvSpPr>
-          <p:cNvPr id="6" name="Footer Placeholder 5"/>
+          <p:cNvPr id="6" name="Footer Placeholder 5" title=""/>
           <p:cNvSpPr>
             <a:spLocks noGrp="1"/>
           </p:cNvSpPr>
@@ -2571,7 +2571,7 @@
       </p:sp>
       <p:sp>
         <p:nvSpPr>
-          <p:cNvPr id="7" name="Slide Number Placeholder 6"/>
+          <p:cNvPr id="7" name="Slide Number Placeholder 6" title=""/>
           <p:cNvSpPr>
             <a:spLocks noGrp="1"/>
           </p:cNvSpPr>
@@ -2603,7 +2603,7 @@
 </file>
 
 <file path=ppt/slideMasters/slideMaster1.xml><?xml version="1.0" encoding="utf-8"?>
-<p:sldMaster xmlns:a="http://schemas.openxmlformats.org/drawingml/2006/main" xmlns:r="http://schemas.openxmlformats.org/officeDocument/2006/relationships" xmlns:p14="http://schemas.microsoft.com/office/powerpoint/2010/main" xmlns:a14="http://schemas.microsoft.com/office/drawing/2010/main" xmlns:p15="http://schemas.microsoft.com/office/powerpoint/2012/main" xmlns:p159="http://schemas.microsoft.com/office/powerpoint/2015/09/main" xmlns:p="http://schemas.openxmlformats.org/presentationml/2006/main">
+<p:sldMaster xmlns:a="http://schemas.openxmlformats.org/drawingml/2006/main" xmlns:r="http://schemas.openxmlformats.org/officeDocument/2006/relationships" xmlns:m="http://schemas.openxmlformats.org/officeDocument/2006/math" xmlns:w="http://schemas.openxmlformats.org/wordprocessingml/2006/main" xmlns:wp="http://schemas.openxmlformats.org/drawingml/2006/wordprocessingDrawing" xmlns:a14="http://schemas.microsoft.com/office/drawing/2010/main" xmlns:mc="http://schemas.openxmlformats.org/markup-compatibility/2006" xmlns:p14="http://schemas.microsoft.com/office/powerpoint/2010/main" xmlns:p15="http://schemas.microsoft.com/office/powerpoint/2012/main" xmlns:p159="http://schemas.microsoft.com/office/powerpoint/2015/09/main" xmlns:p="http://schemas.openxmlformats.org/presentationml/2006/main">
   <p:cSld>
     <p:bg>
       <p:bgRef idx="1001">
@@ -2612,7 +2612,7 @@
     </p:bg>
     <p:spTree>
       <p:nvGrpSpPr>
-        <p:cNvPr id="1" name=""/>
+        <p:cNvPr id="1" name="" title=""/>
         <p:cNvGrpSpPr/>
         <p:nvPr/>
       </p:nvGrpSpPr>
@@ -2624,7 +2624,7 @@
       </p:grpSpPr>
       <p:sp>
         <p:nvSpPr>
-          <p:cNvPr id="2" name="Title Placeholder 1"/>
+          <p:cNvPr id="2" name="Title Placeholder 1" title=""/>
           <p:cNvSpPr>
             <a:spLocks noGrp="1"/>
           </p:cNvSpPr>
@@ -2657,7 +2657,7 @@
       </p:sp>
       <p:sp>
         <p:nvSpPr>
-          <p:cNvPr id="3" name="Text Placeholder 2"/>
+          <p:cNvPr id="3" name="Text Placeholder 2" title=""/>
           <p:cNvSpPr>
             <a:spLocks noGrp="1"/>
           </p:cNvSpPr>
@@ -2718,7 +2718,7 @@
       </p:sp>
       <p:sp>
         <p:nvSpPr>
-          <p:cNvPr id="4" name="Date Placeholder 3"/>
+          <p:cNvPr id="4" name="Date Placeholder 3" title=""/>
           <p:cNvSpPr>
             <a:spLocks noGrp="1"/>
           </p:cNvSpPr>
@@ -2759,7 +2759,7 @@
       </p:sp>
       <p:sp>
         <p:nvSpPr>
-          <p:cNvPr id="5" name="Footer Placeholder 4"/>
+          <p:cNvPr id="5" name="Footer Placeholder 4" title=""/>
           <p:cNvSpPr>
             <a:spLocks noGrp="1"/>
           </p:cNvSpPr>
@@ -2796,7 +2796,7 @@
       </p:sp>
       <p:sp>
         <p:nvSpPr>
-          <p:cNvPr id="6" name="Slide Number Placeholder 5"/>
+          <p:cNvPr id="6" name="Slide Number Placeholder 5" title=""/>
           <p:cNvSpPr>
             <a:spLocks noGrp="1"/>
           </p:cNvSpPr>
@@ -3107,11 +3107,11 @@
 </file>
 
 <file path=ppt/slides/slide1.xml><?xml version="1.0" encoding="utf-8"?>
-<p:sld xmlns:a="http://schemas.openxmlformats.org/drawingml/2006/main" xmlns:r="http://schemas.openxmlformats.org/officeDocument/2006/relationships" xmlns:p14="http://schemas.microsoft.com/office/powerpoint/2010/main" xmlns:a14="http://schemas.microsoft.com/office/drawing/2010/main" xmlns:p15="http://schemas.microsoft.com/office/powerpoint/2012/main" xmlns:p159="http://schemas.microsoft.com/office/powerpoint/2015/09/main" xmlns:p="http://schemas.openxmlformats.org/presentationml/2006/main">
+<p:sld xmlns:a="http://schemas.openxmlformats.org/drawingml/2006/main" xmlns:r="http://schemas.openxmlformats.org/officeDocument/2006/relationships" xmlns:m="http://schemas.openxmlformats.org/officeDocument/2006/math" xmlns:w="http://schemas.openxmlformats.org/wordprocessingml/2006/main" xmlns:wp="http://schemas.openxmlformats.org/drawingml/2006/wordprocessingDrawing" xmlns:a14="http://schemas.microsoft.com/office/drawing/2010/main" xmlns:mc="http://schemas.openxmlformats.org/markup-compatibility/2006" xmlns:p14="http://schemas.microsoft.com/office/powerpoint/2010/main" xmlns:p15="http://schemas.microsoft.com/office/powerpoint/2012/main" xmlns:p159="http://schemas.microsoft.com/office/powerpoint/2015/09/main" xmlns:p="http://schemas.openxmlformats.org/presentationml/2006/main">
   <p:cSld name="">
     <p:spTree>
       <p:nvGrpSpPr>
-        <p:cNvPr id="1" name=""/>
+        <p:cNvPr id="1" name="" title=""/>
         <p:cNvGrpSpPr/>
         <p:nvPr/>
       </p:nvGrpSpPr>
@@ -3123,7 +3123,7 @@
       </p:grpSpPr>
       <p:graphicFrame>
         <p:nvGraphicFramePr>
-          <p:cNvPr id="2" name="ChartObject"/>
+          <p:cNvPr id="2" name="ChartObject" title=""/>
           <p:cNvGraphicFramePr/>
           <p:nvPr/>
         </p:nvGraphicFramePr>
@@ -3137,6 +3137,77 @@
           </a:graphicData>
         </a:graphic>
       </p:graphicFrame>
+      <p:sp>
+        <p:nvSpPr>
+          <p:cNvPr id="3" name="TextBox"/>
+          <p:cNvSpPr txBox="1">
+            <a:spLocks noGrp="1" noSelect="1" noRot="1" noMove="1"/>
+          </p:cNvSpPr>
+          <p:nvPr/>
+        </p:nvSpPr>
+        <p:spPr>
+          <a:xfrm>
+            <a:off x="1366520" y="2644140"/>
+            <a:ext cx="6411372" cy="1569660"/>
+          </a:xfrm>
+          <a:prstGeom prst="rect">
+            <a:avLst/>
+          </a:prstGeom>
+          <a:noFill/>
+        </p:spPr>
+        <p:txBody>
+          <a:bodyPr wrap="none" rtlCol="0" anchor="ctr" anchorCtr="1">
+            <a:spAutoFit/>
+          </a:bodyPr>
+          <a:lstStyle>
+            <a:lvl1pPr algn="l">
+              <a:lnSpc>
+                <a:spcPct val="150000"/>
+              </a:lnSpc>
+              <a:spcBef>
+                <a:spcPct val="0"/>
+              </a:spcBef>
+              <a:spcAft>
+                <a:spcPct val="0"/>
+              </a:spcAft>
+              <a:defRPr lang="en-US" sz="3200" b="1" noProof="1" dirty="0">
+                <a:solidFill>
+                  <a:prstClr val="red">
+                    <a:lumOff val="30000"/>
+                    <a:alpha val="40000"/>
+                  </a:prstClr>
+                </a:solidFill>
+                <a:effectLst>
+                  <a:outerShdw blurRad="50800" dist="38100" algn="tr" rotWithShape="0">
+                    <a:prstClr val="black">
+                      <a:alpha val="80000"/>
+                    </a:prstClr>
+                  </a:outerShdw>
+                </a:effectLst>
+                <a:latin typeface="Calibri" pitchFamily="34" charset="0"/>
+              </a:defRPr>
+            </a:lvl1pPr>
+          </a:lstStyle>
+          <a:p>
+            <a:pPr algn="ctr"/>
+            <a:r>
+              <a:t>Evaluation only.</a:t>
+            </a:r>
+          </a:p>
+          <a:p>
+            <a:pPr algn="ctr"/>
+            <a:r>
+              <a:t>Created with Aspose.Slides for .NET 4.0 Client Profile 21.12.</a:t>
+            </a:r>
+          </a:p>
+          <a:p>
+            <a:pPr algn="ctr"/>
+            <a:r>
+              <a:t>Copyright 2004-2021Aspose Pty Ltd.</a:t>
+            </a:r>
+          </a:p>
+        </p:txBody>
+      </p:sp>
     </p:spTree>
   </p:cSld>
   <p:clrMapOvr>
@@ -3150,10 +3221,10 @@
 <file path=ppt/tags/tag1.xml><?xml version="1.0" encoding="utf-8"?>
 <p:tagLst xmlns:p="http://schemas.openxmlformats.org/presentationml/2006/main">
   <p:tag name="AS_NET" val="4.0.30319.42000"/>
-  <p:tag name="AS_OS" val="Microsoft Windows NT 6.2.9200.0"/>
-  <p:tag name="AS_RELEASE_DATE" val="2019.06.14"/>
+  <p:tag name="AS_OS" val="Microsoft Windows NT 6.3.9600.0"/>
+  <p:tag name="AS_RELEASE_DATE" val="2021.12.14"/>
   <p:tag name="AS_TITLE" val="Aspose.Slides for .NET 4.0 Client Profile"/>
-  <p:tag name="AS_VERSION" val="19.6"/>
+  <p:tag name="AS_VERSION" val="21.12"/>
 </p:tagLst>
 </file>
 
